--- a/HT-4/Optica BAC-07-Estructura del negocio.pptx
+++ b/HT-4/Optica BAC-07-Estructura del negocio.pptx
@@ -213,7 +213,7 @@
           <a:p>
             <a:fld id="{C84E95E0-43A6-4D53-BDBE-E8A6E9BC4F1E}" type="datetimeFigureOut">
               <a:rPr lang="es-ES" smtClean="0"/>
-              <a:t>16/09/2021</a:t>
+              <a:t>5/9/22</a:t>
             </a:fld>
             <a:endParaRPr lang="es-ES"/>
           </a:p>
@@ -371,7 +371,7 @@
           <a:p>
             <a:fld id="{A7ACAE50-97D0-47A2-B9C8-25667F34B8EA}" type="slidenum">
               <a:rPr lang="es-ES" smtClean="0"/>
-              <a:t>‹Nº›</a:t>
+              <a:t>‹#›</a:t>
             </a:fld>
             <a:endParaRPr lang="es-ES"/>
           </a:p>
@@ -1146,7 +1146,7 @@
             <a:fld id="{57F581D2-D2F7-4C56-ADAA-56285F38747F}" type="slidenum">
               <a:rPr lang="es-ES" smtClean="0"/>
               <a:pPr/>
-              <a:t>‹Nº›</a:t>
+              <a:t>‹#›</a:t>
             </a:fld>
             <a:endParaRPr lang="es-ES" dirty="0"/>
           </a:p>
@@ -1520,7 +1520,7 @@
           <a:p>
             <a:fld id="{57F581D2-D2F7-4C56-ADAA-56285F38747F}" type="slidenum">
               <a:rPr lang="es-ES" smtClean="0"/>
-              <a:t>‹Nº›</a:t>
+              <a:t>‹#›</a:t>
             </a:fld>
             <a:endParaRPr lang="es-ES"/>
           </a:p>
@@ -1909,7 +1909,7 @@
           <p:nvPr>
             <p:extLst>
               <p:ext uri="{D42A27DB-BD31-4B8C-83A1-F6EECF244321}">
-                <p14:modId xmlns:p14="http://schemas.microsoft.com/office/powerpoint/2010/main" val="2811273588"/>
+                <p14:modId xmlns:p14="http://schemas.microsoft.com/office/powerpoint/2010/main" val="1851806410"/>
               </p:ext>
             </p:extLst>
           </p:nvPr>
@@ -1982,7 +1982,7 @@
                           <a:latin typeface="Arial" panose="020B0604020202020204" pitchFamily="34" charset="0"/>
                           <a:cs typeface="Arial" panose="020B0604020202020204" pitchFamily="34" charset="0"/>
                         </a:rPr>
-                        <a:t>Negocio:</a:t>
+                        <a:t>Negocio: Óptica</a:t>
                       </a:r>
                     </a:p>
                   </a:txBody>
@@ -1998,8 +1998,33 @@
                           <a:latin typeface="Arial" panose="020B0604020202020204" pitchFamily="34" charset="0"/>
                           <a:cs typeface="Arial" panose="020B0604020202020204" pitchFamily="34" charset="0"/>
                         </a:rPr>
-                        <a:t>Autor:</a:t>
+                        <a:t>Autor: </a:t>
                       </a:r>
+                      <a:r>
+                        <a:rPr lang="es-ES_tradnl" sz="1200" dirty="0" err="1">
+                          <a:latin typeface="Arial" panose="020B0604020202020204" pitchFamily="34" charset="0"/>
+                          <a:cs typeface="Arial" panose="020B0604020202020204" pitchFamily="34" charset="0"/>
+                        </a:rPr>
+                        <a:t>j.yepes</a:t>
+                      </a:r>
+                      <a:r>
+                        <a:rPr lang="es-ES_tradnl" sz="1200" dirty="0">
+                          <a:latin typeface="Arial" panose="020B0604020202020204" pitchFamily="34" charset="0"/>
+                          <a:cs typeface="Arial" panose="020B0604020202020204" pitchFamily="34" charset="0"/>
+                        </a:rPr>
+                        <a:t> - </a:t>
+                      </a:r>
+                      <a:r>
+                        <a:rPr lang="es-ES_tradnl" sz="1200" dirty="0" err="1">
+                          <a:latin typeface="Arial" panose="020B0604020202020204" pitchFamily="34" charset="0"/>
+                          <a:cs typeface="Arial" panose="020B0604020202020204" pitchFamily="34" charset="0"/>
+                        </a:rPr>
+                        <a:t>s.pardog</a:t>
+                      </a:r>
+                      <a:endParaRPr lang="es-ES_tradnl" sz="1200" dirty="0">
+                        <a:latin typeface="Arial" panose="020B0604020202020204" pitchFamily="34" charset="0"/>
+                        <a:cs typeface="Arial" panose="020B0604020202020204" pitchFamily="34" charset="0"/>
+                      </a:endParaRPr>
                     </a:p>
                   </a:txBody>
                   <a:tcPr anchor="ctr"/>
@@ -2014,7 +2039,7 @@
                           <a:latin typeface="Arial" panose="020B0604020202020204" pitchFamily="34" charset="0"/>
                           <a:cs typeface="Arial" panose="020B0604020202020204" pitchFamily="34" charset="0"/>
                         </a:rPr>
-                        <a:t>Fecha:</a:t>
+                        <a:t>Fecha: 5-9-22</a:t>
                       </a:r>
                     </a:p>
                   </a:txBody>

--- a/HT-4/Optica BAC-07-Estructura del negocio.pptx
+++ b/HT-4/Optica BAC-07-Estructura del negocio.pptx
@@ -213,7 +213,7 @@
           <a:p>
             <a:fld id="{C84E95E0-43A6-4D53-BDBE-E8A6E9BC4F1E}" type="datetimeFigureOut">
               <a:rPr lang="es-ES" smtClean="0"/>
-              <a:t>5/9/22</a:t>
+              <a:t>06/09/2022</a:t>
             </a:fld>
             <a:endParaRPr lang="es-ES"/>
           </a:p>
@@ -371,7 +371,7 @@
           <a:p>
             <a:fld id="{A7ACAE50-97D0-47A2-B9C8-25667F34B8EA}" type="slidenum">
               <a:rPr lang="es-ES" smtClean="0"/>
-              <a:t>‹#›</a:t>
+              <a:t>‹Nº›</a:t>
             </a:fld>
             <a:endParaRPr lang="es-ES"/>
           </a:p>
@@ -1146,7 +1146,7 @@
             <a:fld id="{57F581D2-D2F7-4C56-ADAA-56285F38747F}" type="slidenum">
               <a:rPr lang="es-ES" smtClean="0"/>
               <a:pPr/>
-              <a:t>‹#›</a:t>
+              <a:t>‹Nº›</a:t>
             </a:fld>
             <a:endParaRPr lang="es-ES" dirty="0"/>
           </a:p>
@@ -1520,7 +1520,7 @@
           <a:p>
             <a:fld id="{57F581D2-D2F7-4C56-ADAA-56285F38747F}" type="slidenum">
               <a:rPr lang="es-ES" smtClean="0"/>
-              <a:t>‹#›</a:t>
+              <a:t>‹Nº›</a:t>
             </a:fld>
             <a:endParaRPr lang="es-ES"/>
           </a:p>
@@ -2057,10 +2057,10 @@
       </p:graphicFrame>
       <p:sp>
         <p:nvSpPr>
-          <p:cNvPr id="20" name="21 Rectángulo">
-            <a:extLst>
-              <a:ext uri="{FF2B5EF4-FFF2-40B4-BE49-F238E27FC236}">
-                <a16:creationId xmlns:a16="http://schemas.microsoft.com/office/drawing/2014/main" id="{49C8C3BF-BD22-2646-92E5-E3670DA78C3D}"/>
+          <p:cNvPr id="24" name="7 Rectángulo">
+            <a:extLst>
+              <a:ext uri="{FF2B5EF4-FFF2-40B4-BE49-F238E27FC236}">
+                <a16:creationId xmlns:a16="http://schemas.microsoft.com/office/drawing/2014/main" id="{CC49BD6A-7197-1D4A-A511-A36E3D81FD87}"/>
               </a:ext>
             </a:extLst>
           </p:cNvPr>
@@ -2069,68 +2069,8 @@
         </p:nvSpPr>
         <p:spPr>
           <a:xfrm>
-            <a:off x="2154475" y="1555896"/>
-            <a:ext cx="8041007" cy="2747748"/>
-          </a:xfrm>
-          <a:prstGeom prst="rect">
-            <a:avLst/>
-          </a:prstGeom>
-          <a:noFill/>
-          <a:ln w="12700">
-            <a:solidFill>
-              <a:schemeClr val="tx1"/>
-            </a:solidFill>
-          </a:ln>
-        </p:spPr>
-        <p:style>
-          <a:lnRef idx="2">
-            <a:schemeClr val="accent1">
-              <a:shade val="50000"/>
-            </a:schemeClr>
-          </a:lnRef>
-          <a:fillRef idx="1">
-            <a:schemeClr val="accent1"/>
-          </a:fillRef>
-          <a:effectRef idx="0">
-            <a:schemeClr val="accent1"/>
-          </a:effectRef>
-          <a:fontRef idx="minor">
-            <a:schemeClr val="lt1"/>
-          </a:fontRef>
-        </p:style>
-        <p:txBody>
-          <a:bodyPr rtlCol="0" anchor="ctr"/>
-          <a:lstStyle/>
-          <a:p>
-            <a:pPr algn="ctr"/>
-            <a:endParaRPr lang="es-CO" sz="4000">
-              <a:solidFill>
-                <a:schemeClr val="bg1">
-                  <a:lumMod val="50000"/>
-                </a:schemeClr>
-              </a:solidFill>
-              <a:latin typeface="Arial" panose="020B0604020202020204" pitchFamily="34" charset="0"/>
-              <a:cs typeface="Arial" panose="020B0604020202020204" pitchFamily="34" charset="0"/>
-            </a:endParaRPr>
-          </a:p>
-        </p:txBody>
-      </p:sp>
-      <p:sp>
-        <p:nvSpPr>
-          <p:cNvPr id="24" name="7 Rectángulo">
-            <a:extLst>
-              <a:ext uri="{FF2B5EF4-FFF2-40B4-BE49-F238E27FC236}">
-                <a16:creationId xmlns:a16="http://schemas.microsoft.com/office/drawing/2014/main" id="{CC49BD6A-7197-1D4A-A511-A36E3D81FD87}"/>
-              </a:ext>
-            </a:extLst>
-          </p:cNvPr>
-          <p:cNvSpPr/>
-          <p:nvPr/>
-        </p:nvSpPr>
-        <p:spPr>
-          <a:xfrm>
-            <a:off x="3903193" y="1888724"/>
-            <a:ext cx="3381832" cy="2151084"/>
+            <a:off x="3903192" y="1540402"/>
+            <a:ext cx="3381832" cy="3186857"/>
           </a:xfrm>
           <a:prstGeom prst="rect">
             <a:avLst/>
@@ -2190,8 +2130,8 @@
         </p:nvSpPr>
         <p:spPr>
           <a:xfrm>
-            <a:off x="7873159" y="1888724"/>
-            <a:ext cx="1089901" cy="1105609"/>
+            <a:off x="7873159" y="1540402"/>
+            <a:ext cx="1089901" cy="1888596"/>
           </a:xfrm>
           <a:prstGeom prst="rect">
             <a:avLst/>
@@ -2227,16 +2167,16 @@
           <a:p>
             <a:pPr algn="ctr"/>
             <a:r>
-              <a:rPr lang="es-MX" sz="1400">
+              <a:rPr lang="es-MX" sz="1400" dirty="0">
                 <a:solidFill>
                   <a:schemeClr val="tx1"/>
                 </a:solidFill>
                 <a:latin typeface="Arial" panose="020B0604020202020204" pitchFamily="34" charset="0"/>
                 <a:cs typeface="Arial" panose="020B0604020202020204" pitchFamily="34" charset="0"/>
               </a:rPr>
-              <a:t>Librería</a:t>
-            </a:r>
-            <a:endParaRPr lang="es-CO" sz="1400">
+              <a:t>Cliente</a:t>
+            </a:r>
+            <a:endParaRPr lang="es-CO" sz="1400" dirty="0">
               <a:solidFill>
                 <a:schemeClr val="tx1"/>
               </a:solidFill>
@@ -2248,70 +2188,22 @@
       </p:sp>
       <p:cxnSp>
         <p:nvCxnSpPr>
-          <p:cNvPr id="27" name="9 Conector recto">
-            <a:extLst>
-              <a:ext uri="{FF2B5EF4-FFF2-40B4-BE49-F238E27FC236}">
-                <a16:creationId xmlns:a16="http://schemas.microsoft.com/office/drawing/2014/main" id="{192AC648-B264-C646-8D34-35AAC53B7189}"/>
+          <p:cNvPr id="28" name="10 Conector recto">
+            <a:extLst>
+              <a:ext uri="{FF2B5EF4-FFF2-40B4-BE49-F238E27FC236}">
+                <a16:creationId xmlns:a16="http://schemas.microsoft.com/office/drawing/2014/main" id="{744F45E8-0DF6-584C-AF0B-B197670E8909}"/>
               </a:ext>
             </a:extLst>
           </p:cNvPr>
           <p:cNvCxnSpPr>
-            <a:endCxn id="26" idx="1"/>
+            <a:cxnSpLocks/>
           </p:cNvCxnSpPr>
           <p:nvPr/>
         </p:nvCxnSpPr>
         <p:spPr>
           <a:xfrm>
-            <a:off x="7285025" y="2441528"/>
-            <a:ext cx="588134" cy="0"/>
-          </a:xfrm>
-          <a:prstGeom prst="line">
-            <a:avLst/>
-          </a:prstGeom>
-          <a:solidFill>
-            <a:schemeClr val="bg1"/>
-          </a:solidFill>
-          <a:ln w="12700" cap="flat">
-            <a:solidFill>
-              <a:schemeClr val="tx1"/>
-            </a:solidFill>
-            <a:headEnd type="oval" w="sm" len="sm"/>
-            <a:tailEnd type="oval" w="sm" len="sm"/>
-          </a:ln>
-        </p:spPr>
-        <p:style>
-          <a:lnRef idx="2">
-            <a:schemeClr val="accent1">
-              <a:shade val="50000"/>
-            </a:schemeClr>
-          </a:lnRef>
-          <a:fillRef idx="1">
-            <a:schemeClr val="accent1"/>
-          </a:fillRef>
-          <a:effectRef idx="0">
-            <a:schemeClr val="accent1"/>
-          </a:effectRef>
-          <a:fontRef idx="minor">
-            <a:schemeClr val="lt1"/>
-          </a:fontRef>
-        </p:style>
-      </p:cxnSp>
-      <p:cxnSp>
-        <p:nvCxnSpPr>
-          <p:cNvPr id="28" name="10 Conector recto">
-            <a:extLst>
-              <a:ext uri="{FF2B5EF4-FFF2-40B4-BE49-F238E27FC236}">
-                <a16:creationId xmlns:a16="http://schemas.microsoft.com/office/drawing/2014/main" id="{744F45E8-0DF6-584C-AF0B-B197670E8909}"/>
-              </a:ext>
-            </a:extLst>
-          </p:cNvPr>
-          <p:cNvCxnSpPr/>
-          <p:nvPr/>
-        </p:nvCxnSpPr>
-        <p:spPr>
-          <a:xfrm>
-            <a:off x="7285025" y="2068922"/>
-            <a:ext cx="588134" cy="0"/>
+            <a:off x="7283164" y="1702218"/>
+            <a:ext cx="589995" cy="0"/>
           </a:xfrm>
           <a:prstGeom prst="line">
             <a:avLst/>
@@ -2358,7 +2250,7 @@
         </p:nvSpPr>
         <p:spPr>
           <a:xfrm>
-            <a:off x="3454521" y="1958621"/>
+            <a:off x="3470183" y="1930422"/>
             <a:ext cx="372218" cy="276999"/>
           </a:xfrm>
           <a:prstGeom prst="rect">
@@ -2400,7 +2292,7 @@
         </p:nvSpPr>
         <p:spPr>
           <a:xfrm>
-            <a:off x="7388045" y="1778701"/>
+            <a:off x="7393177" y="1425219"/>
             <a:ext cx="380232" cy="276999"/>
           </a:xfrm>
           <a:prstGeom prst="rect">
@@ -2464,188 +2356,6 @@
               <a:t>M1</a:t>
             </a:r>
             <a:endParaRPr lang="es-CO" sz="1200" dirty="0">
-              <a:latin typeface="Arial" panose="020B0604020202020204" pitchFamily="34" charset="0"/>
-              <a:cs typeface="Arial" panose="020B0604020202020204" pitchFamily="34" charset="0"/>
-            </a:endParaRPr>
-          </a:p>
-        </p:txBody>
-      </p:sp>
-      <p:sp>
-        <p:nvSpPr>
-          <p:cNvPr id="34" name="14 CuadroTexto">
-            <a:extLst>
-              <a:ext uri="{FF2B5EF4-FFF2-40B4-BE49-F238E27FC236}">
-                <a16:creationId xmlns:a16="http://schemas.microsoft.com/office/drawing/2014/main" id="{E52DF6A3-DDCC-9B47-AA53-3B94DF29C6D2}"/>
-              </a:ext>
-            </a:extLst>
-          </p:cNvPr>
-          <p:cNvSpPr txBox="1"/>
-          <p:nvPr/>
-        </p:nvSpPr>
-        <p:spPr>
-          <a:xfrm>
-            <a:off x="7388045" y="2132463"/>
-            <a:ext cx="380232" cy="276999"/>
-          </a:xfrm>
-          <a:prstGeom prst="rect">
-            <a:avLst/>
-          </a:prstGeom>
-          <a:noFill/>
-        </p:spPr>
-        <p:txBody>
-          <a:bodyPr wrap="none" rtlCol="0">
-            <a:spAutoFit/>
-          </a:bodyPr>
-          <a:lstStyle/>
-          <a:p>
-            <a:r>
-              <a:rPr lang="es-MX" sz="1200" dirty="0">
-                <a:latin typeface="Arial" panose="020B0604020202020204" pitchFamily="34" charset="0"/>
-                <a:cs typeface="Arial" panose="020B0604020202020204" pitchFamily="34" charset="0"/>
-              </a:rPr>
-              <a:t>D2</a:t>
-            </a:r>
-            <a:endParaRPr lang="es-CO" sz="1200" dirty="0">
-              <a:latin typeface="Arial" panose="020B0604020202020204" pitchFamily="34" charset="0"/>
-              <a:cs typeface="Arial" panose="020B0604020202020204" pitchFamily="34" charset="0"/>
-            </a:endParaRPr>
-          </a:p>
-        </p:txBody>
-      </p:sp>
-      <p:sp>
-        <p:nvSpPr>
-          <p:cNvPr id="36" name="15 Rectángulo">
-            <a:extLst>
-              <a:ext uri="{FF2B5EF4-FFF2-40B4-BE49-F238E27FC236}">
-                <a16:creationId xmlns:a16="http://schemas.microsoft.com/office/drawing/2014/main" id="{D953EF91-3027-534C-A03A-A455D49E08BD}"/>
-              </a:ext>
-            </a:extLst>
-          </p:cNvPr>
-          <p:cNvSpPr/>
-          <p:nvPr/>
-        </p:nvSpPr>
-        <p:spPr>
-          <a:xfrm>
-            <a:off x="4121716" y="2053303"/>
-            <a:ext cx="700172" cy="1792568"/>
-          </a:xfrm>
-          <a:prstGeom prst="rect">
-            <a:avLst/>
-          </a:prstGeom>
-          <a:solidFill>
-            <a:schemeClr val="bg1"/>
-          </a:solidFill>
-          <a:ln w="12700">
-            <a:solidFill>
-              <a:schemeClr val="tx1"/>
-            </a:solidFill>
-          </a:ln>
-        </p:spPr>
-        <p:style>
-          <a:lnRef idx="2">
-            <a:schemeClr val="accent1">
-              <a:shade val="50000"/>
-            </a:schemeClr>
-          </a:lnRef>
-          <a:fillRef idx="1">
-            <a:schemeClr val="accent1"/>
-          </a:fillRef>
-          <a:effectRef idx="0">
-            <a:schemeClr val="accent1"/>
-          </a:effectRef>
-          <a:fontRef idx="minor">
-            <a:schemeClr val="lt1"/>
-          </a:fontRef>
-        </p:style>
-        <p:txBody>
-          <a:bodyPr vert="vert270" rtlCol="0" anchor="ctr"/>
-          <a:lstStyle/>
-          <a:p>
-            <a:pPr algn="ctr"/>
-            <a:r>
-              <a:rPr lang="es-MX" sz="1400" dirty="0">
-                <a:solidFill>
-                  <a:schemeClr val="tx1"/>
-                </a:solidFill>
-                <a:latin typeface="Arial" panose="020B0604020202020204" pitchFamily="34" charset="0"/>
-                <a:cs typeface="Arial" panose="020B0604020202020204" pitchFamily="34" charset="0"/>
-              </a:rPr>
-              <a:t>Depósito de insumos y contenidos</a:t>
-            </a:r>
-            <a:endParaRPr lang="es-CO" sz="1400" dirty="0">
-              <a:solidFill>
-                <a:schemeClr val="tx1"/>
-              </a:solidFill>
-              <a:latin typeface="Arial" panose="020B0604020202020204" pitchFamily="34" charset="0"/>
-              <a:cs typeface="Arial" panose="020B0604020202020204" pitchFamily="34" charset="0"/>
-            </a:endParaRPr>
-          </a:p>
-        </p:txBody>
-      </p:sp>
-      <p:sp>
-        <p:nvSpPr>
-          <p:cNvPr id="37" name="18 Rectángulo">
-            <a:extLst>
-              <a:ext uri="{FF2B5EF4-FFF2-40B4-BE49-F238E27FC236}">
-                <a16:creationId xmlns:a16="http://schemas.microsoft.com/office/drawing/2014/main" id="{99372550-EFB0-A94A-B984-433218CFE58D}"/>
-              </a:ext>
-            </a:extLst>
-          </p:cNvPr>
-          <p:cNvSpPr/>
-          <p:nvPr/>
-        </p:nvSpPr>
-        <p:spPr>
-          <a:xfrm>
-            <a:off x="5318105" y="2053303"/>
-            <a:ext cx="588134" cy="1792568"/>
-          </a:xfrm>
-          <a:prstGeom prst="rect">
-            <a:avLst/>
-          </a:prstGeom>
-          <a:solidFill>
-            <a:schemeClr val="bg1"/>
-          </a:solidFill>
-          <a:ln w="12700">
-            <a:solidFill>
-              <a:schemeClr val="tx1"/>
-            </a:solidFill>
-          </a:ln>
-        </p:spPr>
-        <p:style>
-          <a:lnRef idx="2">
-            <a:schemeClr val="accent1">
-              <a:shade val="50000"/>
-            </a:schemeClr>
-          </a:lnRef>
-          <a:fillRef idx="1">
-            <a:schemeClr val="accent1"/>
-          </a:fillRef>
-          <a:effectRef idx="0">
-            <a:schemeClr val="accent1"/>
-          </a:effectRef>
-          <a:fontRef idx="minor">
-            <a:schemeClr val="lt1"/>
-          </a:fontRef>
-        </p:style>
-        <p:txBody>
-          <a:bodyPr vert="vert270" rtlCol="0" anchor="ctr"/>
-          <a:lstStyle/>
-          <a:p>
-            <a:pPr algn="ctr"/>
-            <a:r>
-              <a:rPr lang="es-MX" sz="1400">
-                <a:solidFill>
-                  <a:schemeClr val="tx1"/>
-                </a:solidFill>
-                <a:latin typeface="Arial" panose="020B0604020202020204" pitchFamily="34" charset="0"/>
-                <a:cs typeface="Arial" panose="020B0604020202020204" pitchFamily="34" charset="0"/>
-              </a:rPr>
-              <a:t>Bodega central</a:t>
-            </a:r>
-            <a:endParaRPr lang="es-CO" sz="1400">
-              <a:solidFill>
-                <a:schemeClr val="tx1"/>
-              </a:solidFill>
               <a:latin typeface="Arial" panose="020B0604020202020204" pitchFamily="34" charset="0"/>
               <a:cs typeface="Arial" panose="020B0604020202020204" pitchFamily="34" charset="0"/>
             </a:endParaRPr>
@@ -2710,15 +2420,16 @@
             </a:extLst>
           </p:cNvPr>
           <p:cNvCxnSpPr>
-            <a:stCxn id="36" idx="3"/>
-            <a:endCxn id="37" idx="1"/>
+            <a:cxnSpLocks/>
+            <a:stCxn id="5" idx="3"/>
+            <a:endCxn id="10" idx="1"/>
           </p:cNvCxnSpPr>
           <p:nvPr/>
         </p:nvCxnSpPr>
         <p:spPr>
           <a:xfrm>
-            <a:off x="4821887" y="2949588"/>
-            <a:ext cx="496218" cy="0"/>
+            <a:off x="5240024" y="3466240"/>
+            <a:ext cx="545100" cy="0"/>
           </a:xfrm>
           <a:prstGeom prst="line">
             <a:avLst/>
@@ -2765,7 +2476,7 @@
         </p:nvSpPr>
         <p:spPr>
           <a:xfrm>
-            <a:off x="4887895" y="2681886"/>
+            <a:off x="5321787" y="3197655"/>
             <a:ext cx="364202" cy="276999"/>
           </a:xfrm>
           <a:prstGeom prst="rect">
@@ -2807,8 +2518,8 @@
         </p:nvSpPr>
         <p:spPr>
           <a:xfrm>
-            <a:off x="2308343" y="1865590"/>
-            <a:ext cx="1090200" cy="832429"/>
+            <a:off x="2308343" y="1540402"/>
+            <a:ext cx="1090200" cy="1279984"/>
           </a:xfrm>
           <a:prstGeom prst="rect">
             <a:avLst/>
@@ -2844,16 +2555,16 @@
           <a:p>
             <a:pPr algn="ctr"/>
             <a:r>
-              <a:rPr lang="es-MX" sz="1400">
+              <a:rPr lang="es-MX" sz="1400" dirty="0">
                 <a:solidFill>
                   <a:schemeClr val="tx1"/>
                 </a:solidFill>
                 <a:latin typeface="Arial" panose="020B0604020202020204" pitchFamily="34" charset="0"/>
                 <a:cs typeface="Arial" panose="020B0604020202020204" pitchFamily="34" charset="0"/>
               </a:rPr>
-              <a:t>Proveedor insumos</a:t>
-            </a:r>
-            <a:endParaRPr lang="es-CO" sz="1400">
+              <a:t>Proveedor lentes</a:t>
+            </a:r>
+            <a:endParaRPr lang="es-CO" sz="1400" dirty="0">
               <a:solidFill>
                 <a:schemeClr val="tx1"/>
               </a:solidFill>
@@ -2877,8 +2588,8 @@
         </p:nvSpPr>
         <p:spPr>
           <a:xfrm>
-            <a:off x="2286802" y="3202584"/>
-            <a:ext cx="1090200" cy="832429"/>
+            <a:off x="2286802" y="3474654"/>
+            <a:ext cx="1090200" cy="1252605"/>
           </a:xfrm>
           <a:prstGeom prst="rect">
             <a:avLst/>
@@ -2914,22 +2625,15 @@
           <a:p>
             <a:pPr algn="ctr"/>
             <a:r>
-              <a:rPr lang="es-MX" sz="1400">
+              <a:rPr lang="es-MX" sz="1400" dirty="0">
                 <a:solidFill>
                   <a:schemeClr val="tx1"/>
                 </a:solidFill>
                 <a:latin typeface="Arial" panose="020B0604020202020204" pitchFamily="34" charset="0"/>
                 <a:cs typeface="Arial" panose="020B0604020202020204" pitchFamily="34" charset="0"/>
               </a:rPr>
-              <a:t>Autor</a:t>
-            </a:r>
-            <a:endParaRPr lang="es-CO" sz="1400">
-              <a:solidFill>
-                <a:schemeClr val="tx1"/>
-              </a:solidFill>
-              <a:latin typeface="Arial" panose="020B0604020202020204" pitchFamily="34" charset="0"/>
-              <a:cs typeface="Arial" panose="020B0604020202020204" pitchFamily="34" charset="0"/>
-            </a:endParaRPr>
+              <a:t>Proveedor monturas</a:t>
+            </a:r>
           </a:p>
         </p:txBody>
       </p:sp>
@@ -2943,14 +2647,15 @@
             </a:extLst>
           </p:cNvPr>
           <p:cNvCxnSpPr>
+            <a:cxnSpLocks/>
             <a:stCxn id="41" idx="3"/>
           </p:cNvCxnSpPr>
           <p:nvPr/>
         </p:nvCxnSpPr>
         <p:spPr>
           <a:xfrm>
-            <a:off x="3398544" y="2281805"/>
-            <a:ext cx="504649" cy="0"/>
+            <a:off x="3398543" y="2180394"/>
+            <a:ext cx="526190" cy="0"/>
           </a:xfrm>
           <a:prstGeom prst="line">
             <a:avLst/>
@@ -2997,7 +2702,7 @@
         </p:nvSpPr>
         <p:spPr>
           <a:xfrm>
-            <a:off x="3470761" y="3314971"/>
+            <a:off x="3453988" y="3823957"/>
             <a:ext cx="372218" cy="276999"/>
           </a:xfrm>
           <a:prstGeom prst="rect">
@@ -3035,13 +2740,14 @@
             </a:extLst>
           </p:cNvPr>
           <p:cNvCxnSpPr>
+            <a:cxnSpLocks/>
             <a:stCxn id="42" idx="3"/>
           </p:cNvCxnSpPr>
           <p:nvPr/>
         </p:nvCxnSpPr>
         <p:spPr>
           <a:xfrm>
-            <a:off x="3377002" y="3618799"/>
+            <a:off x="3377002" y="4100957"/>
             <a:ext cx="526190" cy="0"/>
           </a:xfrm>
           <a:prstGeom prst="line">
@@ -3077,10 +2783,10 @@
       </p:cxnSp>
       <p:sp>
         <p:nvSpPr>
-          <p:cNvPr id="46" name="32 Rectángulo">
-            <a:extLst>
-              <a:ext uri="{FF2B5EF4-FFF2-40B4-BE49-F238E27FC236}">
-                <a16:creationId xmlns:a16="http://schemas.microsoft.com/office/drawing/2014/main" id="{89321B16-36F6-8E41-8984-91987241C1EB}"/>
+          <p:cNvPr id="52" name="48 Rectángulo">
+            <a:extLst>
+              <a:ext uri="{FF2B5EF4-FFF2-40B4-BE49-F238E27FC236}">
+                <a16:creationId xmlns:a16="http://schemas.microsoft.com/office/drawing/2014/main" id="{9AD8CD60-EDD6-0D4B-BA5A-72DBA1E836CF}"/>
               </a:ext>
             </a:extLst>
           </p:cNvPr>
@@ -3089,333 +2795,7 @@
         </p:nvSpPr>
         <p:spPr>
           <a:xfrm>
-            <a:off x="9421792" y="1839479"/>
-            <a:ext cx="479114" cy="2151084"/>
-          </a:xfrm>
-          <a:prstGeom prst="rect">
-            <a:avLst/>
-          </a:prstGeom>
-          <a:solidFill>
-            <a:schemeClr val="bg1"/>
-          </a:solidFill>
-          <a:ln w="12700">
-            <a:solidFill>
-              <a:schemeClr val="tx1"/>
-            </a:solidFill>
-          </a:ln>
-        </p:spPr>
-        <p:style>
-          <a:lnRef idx="2">
-            <a:schemeClr val="accent1">
-              <a:shade val="50000"/>
-            </a:schemeClr>
-          </a:lnRef>
-          <a:fillRef idx="1">
-            <a:schemeClr val="accent1"/>
-          </a:fillRef>
-          <a:effectRef idx="0">
-            <a:schemeClr val="accent1"/>
-          </a:effectRef>
-          <a:fontRef idx="minor">
-            <a:schemeClr val="lt1"/>
-          </a:fontRef>
-        </p:style>
-        <p:txBody>
-          <a:bodyPr vert="vert270" rtlCol="0" anchor="ctr"/>
-          <a:lstStyle/>
-          <a:p>
-            <a:pPr algn="ctr"/>
-            <a:r>
-              <a:rPr lang="es-MX" sz="1400">
-                <a:solidFill>
-                  <a:schemeClr val="tx1"/>
-                </a:solidFill>
-                <a:latin typeface="Arial" panose="020B0604020202020204" pitchFamily="34" charset="0"/>
-                <a:cs typeface="Arial" panose="020B0604020202020204" pitchFamily="34" charset="0"/>
-              </a:rPr>
-              <a:t>Estudiante</a:t>
-            </a:r>
-            <a:endParaRPr lang="es-CO" sz="1400">
-              <a:solidFill>
-                <a:schemeClr val="tx1"/>
-              </a:solidFill>
-              <a:latin typeface="Arial" panose="020B0604020202020204" pitchFamily="34" charset="0"/>
-              <a:cs typeface="Arial" panose="020B0604020202020204" pitchFamily="34" charset="0"/>
-            </a:endParaRPr>
-          </a:p>
-        </p:txBody>
-      </p:sp>
-      <p:cxnSp>
-        <p:nvCxnSpPr>
-          <p:cNvPr id="47" name="33 Conector recto">
-            <a:extLst>
-              <a:ext uri="{FF2B5EF4-FFF2-40B4-BE49-F238E27FC236}">
-                <a16:creationId xmlns:a16="http://schemas.microsoft.com/office/drawing/2014/main" id="{B5C2A552-50DC-2C4F-A7DE-32EDE5345121}"/>
-              </a:ext>
-            </a:extLst>
-          </p:cNvPr>
-          <p:cNvCxnSpPr>
-            <a:stCxn id="26" idx="3"/>
-          </p:cNvCxnSpPr>
-          <p:nvPr/>
-        </p:nvCxnSpPr>
-        <p:spPr>
-          <a:xfrm>
-            <a:off x="8963059" y="2441528"/>
-            <a:ext cx="458733" cy="0"/>
-          </a:xfrm>
-          <a:prstGeom prst="line">
-            <a:avLst/>
-          </a:prstGeom>
-          <a:solidFill>
-            <a:schemeClr val="bg1"/>
-          </a:solidFill>
-          <a:ln w="12700" cap="flat">
-            <a:solidFill>
-              <a:schemeClr val="tx1"/>
-            </a:solidFill>
-            <a:prstDash val="sysDot"/>
-            <a:headEnd type="oval" w="sm" len="sm"/>
-            <a:tailEnd type="oval" w="sm" len="sm"/>
-          </a:ln>
-        </p:spPr>
-        <p:style>
-          <a:lnRef idx="2">
-            <a:schemeClr val="accent1">
-              <a:shade val="50000"/>
-            </a:schemeClr>
-          </a:lnRef>
-          <a:fillRef idx="1">
-            <a:schemeClr val="accent1"/>
-          </a:fillRef>
-          <a:effectRef idx="0">
-            <a:schemeClr val="accent1"/>
-          </a:effectRef>
-          <a:fontRef idx="minor">
-            <a:schemeClr val="lt1"/>
-          </a:fontRef>
-        </p:style>
-      </p:cxnSp>
-      <p:sp>
-        <p:nvSpPr>
-          <p:cNvPr id="48" name="37 CuadroTexto">
-            <a:extLst>
-              <a:ext uri="{FF2B5EF4-FFF2-40B4-BE49-F238E27FC236}">
-                <a16:creationId xmlns:a16="http://schemas.microsoft.com/office/drawing/2014/main" id="{19A7A04E-7A45-EE45-991B-9CC257B01595}"/>
-              </a:ext>
-            </a:extLst>
-          </p:cNvPr>
-          <p:cNvSpPr txBox="1"/>
-          <p:nvPr/>
-        </p:nvSpPr>
-        <p:spPr>
-          <a:xfrm>
-            <a:off x="9032491" y="2141973"/>
-            <a:ext cx="312906" cy="276999"/>
-          </a:xfrm>
-          <a:prstGeom prst="rect">
-            <a:avLst/>
-          </a:prstGeom>
-          <a:noFill/>
-        </p:spPr>
-        <p:txBody>
-          <a:bodyPr wrap="none" rtlCol="0">
-            <a:spAutoFit/>
-          </a:bodyPr>
-          <a:lstStyle/>
-          <a:p>
-            <a:r>
-              <a:rPr lang="es-MX" sz="1200" dirty="0">
-                <a:latin typeface="Arial" panose="020B0604020202020204" pitchFamily="34" charset="0"/>
-                <a:cs typeface="Arial" panose="020B0604020202020204" pitchFamily="34" charset="0"/>
-              </a:rPr>
-              <a:t>I1</a:t>
-            </a:r>
-            <a:endParaRPr lang="es-CO" sz="1200" dirty="0">
-              <a:latin typeface="Arial" panose="020B0604020202020204" pitchFamily="34" charset="0"/>
-              <a:cs typeface="Arial" panose="020B0604020202020204" pitchFamily="34" charset="0"/>
-            </a:endParaRPr>
-          </a:p>
-        </p:txBody>
-      </p:sp>
-      <p:sp>
-        <p:nvSpPr>
-          <p:cNvPr id="49" name="41 Rectángulo">
-            <a:extLst>
-              <a:ext uri="{FF2B5EF4-FFF2-40B4-BE49-F238E27FC236}">
-                <a16:creationId xmlns:a16="http://schemas.microsoft.com/office/drawing/2014/main" id="{593E0C14-7D4F-EA41-8174-CD4B4A267755}"/>
-              </a:ext>
-            </a:extLst>
-          </p:cNvPr>
-          <p:cNvSpPr/>
-          <p:nvPr/>
-        </p:nvSpPr>
-        <p:spPr>
-          <a:xfrm>
-            <a:off x="6457190" y="2053303"/>
-            <a:ext cx="588134" cy="1792568"/>
-          </a:xfrm>
-          <a:prstGeom prst="rect">
-            <a:avLst/>
-          </a:prstGeom>
-          <a:solidFill>
-            <a:schemeClr val="bg1"/>
-          </a:solidFill>
-          <a:ln w="12700">
-            <a:solidFill>
-              <a:schemeClr val="tx1"/>
-            </a:solidFill>
-          </a:ln>
-        </p:spPr>
-        <p:style>
-          <a:lnRef idx="2">
-            <a:schemeClr val="accent1">
-              <a:shade val="50000"/>
-            </a:schemeClr>
-          </a:lnRef>
-          <a:fillRef idx="1">
-            <a:schemeClr val="accent1"/>
-          </a:fillRef>
-          <a:effectRef idx="0">
-            <a:schemeClr val="accent1"/>
-          </a:effectRef>
-          <a:fontRef idx="minor">
-            <a:schemeClr val="lt1"/>
-          </a:fontRef>
-        </p:style>
-        <p:txBody>
-          <a:bodyPr vert="vert270" rtlCol="0" anchor="ctr"/>
-          <a:lstStyle/>
-          <a:p>
-            <a:pPr algn="ctr"/>
-            <a:r>
-              <a:rPr lang="es-MX" sz="1400">
-                <a:solidFill>
-                  <a:schemeClr val="tx1"/>
-                </a:solidFill>
-                <a:latin typeface="Arial" panose="020B0604020202020204" pitchFamily="34" charset="0"/>
-                <a:cs typeface="Arial" panose="020B0604020202020204" pitchFamily="34" charset="0"/>
-              </a:rPr>
-              <a:t>Bodega ciudad</a:t>
-            </a:r>
-            <a:endParaRPr lang="es-CO" sz="1400">
-              <a:solidFill>
-                <a:schemeClr val="tx1"/>
-              </a:solidFill>
-              <a:latin typeface="Arial" panose="020B0604020202020204" pitchFamily="34" charset="0"/>
-              <a:cs typeface="Arial" panose="020B0604020202020204" pitchFamily="34" charset="0"/>
-            </a:endParaRPr>
-          </a:p>
-        </p:txBody>
-      </p:sp>
-      <p:cxnSp>
-        <p:nvCxnSpPr>
-          <p:cNvPr id="50" name="42 Conector recto">
-            <a:extLst>
-              <a:ext uri="{FF2B5EF4-FFF2-40B4-BE49-F238E27FC236}">
-                <a16:creationId xmlns:a16="http://schemas.microsoft.com/office/drawing/2014/main" id="{61FBA81F-5CAE-D24E-A0A5-A902A240C309}"/>
-              </a:ext>
-            </a:extLst>
-          </p:cNvPr>
-          <p:cNvCxnSpPr>
-            <a:stCxn id="37" idx="3"/>
-            <a:endCxn id="49" idx="1"/>
-          </p:cNvCxnSpPr>
-          <p:nvPr/>
-        </p:nvCxnSpPr>
-        <p:spPr>
-          <a:xfrm>
-            <a:off x="5906239" y="2949588"/>
-            <a:ext cx="550950" cy="0"/>
-          </a:xfrm>
-          <a:prstGeom prst="line">
-            <a:avLst/>
-          </a:prstGeom>
-          <a:solidFill>
-            <a:schemeClr val="bg1"/>
-          </a:solidFill>
-          <a:ln w="12700" cap="flat">
-            <a:solidFill>
-              <a:schemeClr val="tx1"/>
-            </a:solidFill>
-            <a:headEnd type="oval" w="sm" len="sm"/>
-            <a:tailEnd type="oval" w="sm" len="sm"/>
-          </a:ln>
-        </p:spPr>
-        <p:style>
-          <a:lnRef idx="2">
-            <a:schemeClr val="accent1">
-              <a:shade val="50000"/>
-            </a:schemeClr>
-          </a:lnRef>
-          <a:fillRef idx="1">
-            <a:schemeClr val="accent1"/>
-          </a:fillRef>
-          <a:effectRef idx="0">
-            <a:schemeClr val="accent1"/>
-          </a:effectRef>
-          <a:fontRef idx="minor">
-            <a:schemeClr val="lt1"/>
-          </a:fontRef>
-        </p:style>
-      </p:cxnSp>
-      <p:sp>
-        <p:nvSpPr>
-          <p:cNvPr id="51" name="45 CuadroTexto">
-            <a:extLst>
-              <a:ext uri="{FF2B5EF4-FFF2-40B4-BE49-F238E27FC236}">
-                <a16:creationId xmlns:a16="http://schemas.microsoft.com/office/drawing/2014/main" id="{FD69FCD3-C2AD-C64D-9F20-BC50F806C288}"/>
-              </a:ext>
-            </a:extLst>
-          </p:cNvPr>
-          <p:cNvSpPr txBox="1"/>
-          <p:nvPr/>
-        </p:nvSpPr>
-        <p:spPr>
-          <a:xfrm>
-            <a:off x="5977244" y="2673168"/>
-            <a:ext cx="380232" cy="276999"/>
-          </a:xfrm>
-          <a:prstGeom prst="rect">
-            <a:avLst/>
-          </a:prstGeom>
-          <a:noFill/>
-        </p:spPr>
-        <p:txBody>
-          <a:bodyPr wrap="none" rtlCol="0">
-            <a:spAutoFit/>
-          </a:bodyPr>
-          <a:lstStyle/>
-          <a:p>
-            <a:r>
-              <a:rPr lang="es-MX" sz="1200">
-                <a:latin typeface="Arial" panose="020B0604020202020204" pitchFamily="34" charset="0"/>
-                <a:cs typeface="Arial" panose="020B0604020202020204" pitchFamily="34" charset="0"/>
-              </a:rPr>
-              <a:t>D1</a:t>
-            </a:r>
-            <a:endParaRPr lang="es-CO" sz="1200">
-              <a:latin typeface="Arial" panose="020B0604020202020204" pitchFamily="34" charset="0"/>
-              <a:cs typeface="Arial" panose="020B0604020202020204" pitchFamily="34" charset="0"/>
-            </a:endParaRPr>
-          </a:p>
-        </p:txBody>
-      </p:sp>
-      <p:sp>
-        <p:nvSpPr>
-          <p:cNvPr id="52" name="48 Rectángulo">
-            <a:extLst>
-              <a:ext uri="{FF2B5EF4-FFF2-40B4-BE49-F238E27FC236}">
-                <a16:creationId xmlns:a16="http://schemas.microsoft.com/office/drawing/2014/main" id="{9AD8CD60-EDD6-0D4B-BA5A-72DBA1E836CF}"/>
-              </a:ext>
-            </a:extLst>
-          </p:cNvPr>
-          <p:cNvSpPr/>
-          <p:nvPr/>
-        </p:nvSpPr>
-        <p:spPr>
-          <a:xfrm>
-            <a:off x="7873159" y="3386359"/>
+            <a:off x="7877974" y="4108038"/>
             <a:ext cx="1089901" cy="653449"/>
           </a:xfrm>
           <a:prstGeom prst="rect">
@@ -3452,16 +2832,16 @@
           <a:p>
             <a:pPr algn="ctr"/>
             <a:r>
-              <a:rPr lang="es-MX" sz="1400">
+              <a:rPr lang="es-MX" sz="1400" dirty="0">
                 <a:solidFill>
                   <a:schemeClr val="tx1"/>
                 </a:solidFill>
                 <a:latin typeface="Arial" panose="020B0604020202020204" pitchFamily="34" charset="0"/>
                 <a:cs typeface="Arial" panose="020B0604020202020204" pitchFamily="34" charset="0"/>
               </a:rPr>
-              <a:t>Colegio</a:t>
-            </a:r>
-            <a:endParaRPr lang="es-CO" sz="1400">
+              <a:t>Paciente</a:t>
+            </a:r>
+            <a:endParaRPr lang="es-CO" sz="1400" dirty="0">
               <a:solidFill>
                 <a:schemeClr val="tx1"/>
               </a:solidFill>
@@ -3487,7 +2867,7 @@
         </p:nvCxnSpPr>
         <p:spPr>
           <a:xfrm>
-            <a:off x="7283164" y="3713084"/>
+            <a:off x="7287979" y="4434763"/>
             <a:ext cx="589995" cy="0"/>
           </a:xfrm>
           <a:prstGeom prst="line">
@@ -3535,7 +2915,7 @@
         </p:nvSpPr>
         <p:spPr>
           <a:xfrm>
-            <a:off x="7384160" y="3436084"/>
+            <a:off x="7388975" y="4157763"/>
             <a:ext cx="380232" cy="276999"/>
           </a:xfrm>
           <a:prstGeom prst="rect">
@@ -3554,7 +2934,7 @@
                 <a:latin typeface="Arial" panose="020B0604020202020204" pitchFamily="34" charset="0"/>
                 <a:cs typeface="Arial" panose="020B0604020202020204" pitchFamily="34" charset="0"/>
               </a:rPr>
-              <a:t>R2</a:t>
+              <a:t>R4</a:t>
             </a:r>
             <a:endParaRPr lang="es-CO" sz="1200" dirty="0">
               <a:latin typeface="Arial" panose="020B0604020202020204" pitchFamily="34" charset="0"/>
@@ -3563,22 +2943,227 @@
           </a:p>
         </p:txBody>
       </p:sp>
+      <p:sp>
+        <p:nvSpPr>
+          <p:cNvPr id="57" name="CuadroTexto 56">
+            <a:extLst>
+              <a:ext uri="{FF2B5EF4-FFF2-40B4-BE49-F238E27FC236}">
+                <a16:creationId xmlns:a16="http://schemas.microsoft.com/office/drawing/2014/main" id="{FA5F0F53-2C0D-4A7C-8536-916FFE34213E}"/>
+              </a:ext>
+            </a:extLst>
+          </p:cNvPr>
+          <p:cNvSpPr txBox="1"/>
+          <p:nvPr/>
+        </p:nvSpPr>
+        <p:spPr>
+          <a:xfrm>
+            <a:off x="167306" y="5980955"/>
+            <a:ext cx="6093994" cy="369332"/>
+          </a:xfrm>
+          <a:prstGeom prst="rect">
+            <a:avLst/>
+          </a:prstGeom>
+          <a:noFill/>
+        </p:spPr>
+        <p:txBody>
+          <a:bodyPr wrap="square">
+            <a:spAutoFit/>
+          </a:bodyPr>
+          <a:lstStyle/>
+          <a:p>
+            <a:r>
+              <a:rPr lang="en-US" dirty="0"/>
+              <a:t>A Playbook for Business Architecture Construction</a:t>
+            </a:r>
+          </a:p>
+        </p:txBody>
+      </p:sp>
+      <p:sp>
+        <p:nvSpPr>
+          <p:cNvPr id="5" name="47 Rectángulo">
+            <a:extLst>
+              <a:ext uri="{FF2B5EF4-FFF2-40B4-BE49-F238E27FC236}">
+                <a16:creationId xmlns:a16="http://schemas.microsoft.com/office/drawing/2014/main" id="{0C2D0A59-BB98-EC0C-7BA6-50E53B627A84}"/>
+              </a:ext>
+            </a:extLst>
+          </p:cNvPr>
+          <p:cNvSpPr/>
+          <p:nvPr/>
+        </p:nvSpPr>
+        <p:spPr>
+          <a:xfrm>
+            <a:off x="4149824" y="3050025"/>
+            <a:ext cx="1090200" cy="832429"/>
+          </a:xfrm>
+          <a:prstGeom prst="rect">
+            <a:avLst/>
+          </a:prstGeom>
+          <a:solidFill>
+            <a:schemeClr val="bg1"/>
+          </a:solidFill>
+          <a:ln w="12700">
+            <a:solidFill>
+              <a:schemeClr val="tx1"/>
+            </a:solidFill>
+          </a:ln>
+        </p:spPr>
+        <p:style>
+          <a:lnRef idx="2">
+            <a:schemeClr val="accent1">
+              <a:shade val="50000"/>
+            </a:schemeClr>
+          </a:lnRef>
+          <a:fillRef idx="1">
+            <a:schemeClr val="accent1"/>
+          </a:fillRef>
+          <a:effectRef idx="0">
+            <a:schemeClr val="accent1"/>
+          </a:effectRef>
+          <a:fontRef idx="minor">
+            <a:schemeClr val="lt1"/>
+          </a:fontRef>
+        </p:style>
+        <p:txBody>
+          <a:bodyPr vert="horz" lIns="36000" rIns="36000" rtlCol="0" anchor="ctr"/>
+          <a:lstStyle/>
+          <a:p>
+            <a:pPr algn="ctr"/>
+            <a:r>
+              <a:rPr lang="es-CO" sz="1400" dirty="0">
+                <a:solidFill>
+                  <a:schemeClr val="tx1"/>
+                </a:solidFill>
+                <a:latin typeface="Arial" panose="020B0604020202020204" pitchFamily="34" charset="0"/>
+                <a:cs typeface="Arial" panose="020B0604020202020204" pitchFamily="34" charset="0"/>
+              </a:rPr>
+              <a:t>Lentes sin fórmula</a:t>
+            </a:r>
+          </a:p>
+        </p:txBody>
+      </p:sp>
+      <p:sp>
+        <p:nvSpPr>
+          <p:cNvPr id="10" name="47 Rectángulo">
+            <a:extLst>
+              <a:ext uri="{FF2B5EF4-FFF2-40B4-BE49-F238E27FC236}">
+                <a16:creationId xmlns:a16="http://schemas.microsoft.com/office/drawing/2014/main" id="{9EDD96F8-2720-D4B3-6DDD-69F9546C0A84}"/>
+              </a:ext>
+            </a:extLst>
+          </p:cNvPr>
+          <p:cNvSpPr/>
+          <p:nvPr/>
+        </p:nvSpPr>
+        <p:spPr>
+          <a:xfrm>
+            <a:off x="5785124" y="3050025"/>
+            <a:ext cx="1090200" cy="832429"/>
+          </a:xfrm>
+          <a:prstGeom prst="rect">
+            <a:avLst/>
+          </a:prstGeom>
+          <a:solidFill>
+            <a:schemeClr val="bg1"/>
+          </a:solidFill>
+          <a:ln w="12700">
+            <a:solidFill>
+              <a:schemeClr val="tx1"/>
+            </a:solidFill>
+          </a:ln>
+        </p:spPr>
+        <p:style>
+          <a:lnRef idx="2">
+            <a:schemeClr val="accent1">
+              <a:shade val="50000"/>
+            </a:schemeClr>
+          </a:lnRef>
+          <a:fillRef idx="1">
+            <a:schemeClr val="accent1"/>
+          </a:fillRef>
+          <a:effectRef idx="0">
+            <a:schemeClr val="accent1"/>
+          </a:effectRef>
+          <a:fontRef idx="minor">
+            <a:schemeClr val="lt1"/>
+          </a:fontRef>
+        </p:style>
+        <p:txBody>
+          <a:bodyPr vert="horz" lIns="36000" rIns="36000" rtlCol="0" anchor="ctr"/>
+          <a:lstStyle/>
+          <a:p>
+            <a:pPr algn="ctr"/>
+            <a:r>
+              <a:rPr lang="es-CO" sz="1400" dirty="0">
+                <a:solidFill>
+                  <a:schemeClr val="tx1"/>
+                </a:solidFill>
+                <a:latin typeface="Arial" panose="020B0604020202020204" pitchFamily="34" charset="0"/>
+                <a:cs typeface="Arial" panose="020B0604020202020204" pitchFamily="34" charset="0"/>
+              </a:rPr>
+              <a:t>Lentes con fórmula aplicada</a:t>
+            </a:r>
+          </a:p>
+        </p:txBody>
+      </p:sp>
+      <p:sp>
+        <p:nvSpPr>
+          <p:cNvPr id="13" name="21 CuadroTexto">
+            <a:extLst>
+              <a:ext uri="{FF2B5EF4-FFF2-40B4-BE49-F238E27FC236}">
+                <a16:creationId xmlns:a16="http://schemas.microsoft.com/office/drawing/2014/main" id="{52939EDE-8CFD-8C8C-CF44-9373F4DFF106}"/>
+              </a:ext>
+            </a:extLst>
+          </p:cNvPr>
+          <p:cNvSpPr txBox="1"/>
+          <p:nvPr/>
+        </p:nvSpPr>
+        <p:spPr>
+          <a:xfrm>
+            <a:off x="5116194" y="1979914"/>
+            <a:ext cx="777777" cy="338554"/>
+          </a:xfrm>
+          <a:prstGeom prst="rect">
+            <a:avLst/>
+          </a:prstGeom>
+          <a:noFill/>
+        </p:spPr>
+        <p:txBody>
+          <a:bodyPr wrap="none" rtlCol="0">
+            <a:spAutoFit/>
+          </a:bodyPr>
+          <a:lstStyle/>
+          <a:p>
+            <a:r>
+              <a:rPr lang="es-MX" sz="1600" dirty="0">
+                <a:latin typeface="Arial" panose="020B0604020202020204" pitchFamily="34" charset="0"/>
+                <a:cs typeface="Arial" panose="020B0604020202020204" pitchFamily="34" charset="0"/>
+              </a:rPr>
+              <a:t>Óptica</a:t>
+            </a:r>
+            <a:endParaRPr lang="es-CO" sz="1200" dirty="0">
+              <a:latin typeface="Arial" panose="020B0604020202020204" pitchFamily="34" charset="0"/>
+              <a:cs typeface="Arial" panose="020B0604020202020204" pitchFamily="34" charset="0"/>
+            </a:endParaRPr>
+          </a:p>
+        </p:txBody>
+      </p:sp>
       <p:cxnSp>
         <p:nvCxnSpPr>
-          <p:cNvPr id="55" name="56 Conector recto">
-            <a:extLst>
-              <a:ext uri="{FF2B5EF4-FFF2-40B4-BE49-F238E27FC236}">
-                <a16:creationId xmlns:a16="http://schemas.microsoft.com/office/drawing/2014/main" id="{692C658D-FB0C-B643-BFB2-4D0E83F3A749}"/>
-              </a:ext>
-            </a:extLst>
-          </p:cNvPr>
-          <p:cNvCxnSpPr/>
+          <p:cNvPr id="58" name="10 Conector recto">
+            <a:extLst>
+              <a:ext uri="{FF2B5EF4-FFF2-40B4-BE49-F238E27FC236}">
+                <a16:creationId xmlns:a16="http://schemas.microsoft.com/office/drawing/2014/main" id="{96D42B71-4A47-B300-C205-1A18EE094D59}"/>
+              </a:ext>
+            </a:extLst>
+          </p:cNvPr>
+          <p:cNvCxnSpPr>
+            <a:cxnSpLocks/>
+          </p:cNvCxnSpPr>
           <p:nvPr/>
         </p:nvCxnSpPr>
         <p:spPr>
-          <a:xfrm flipV="1">
-            <a:off x="8963059" y="3713086"/>
-            <a:ext cx="458733" cy="2"/>
+          <a:xfrm>
+            <a:off x="7285745" y="1950089"/>
+            <a:ext cx="589995" cy="0"/>
           </a:xfrm>
           <a:prstGeom prst="line">
             <a:avLst/>
@@ -3590,7 +3175,6 @@
             <a:solidFill>
               <a:schemeClr val="tx1"/>
             </a:solidFill>
-            <a:prstDash val="sysDot"/>
             <a:headEnd type="oval" w="sm" len="sm"/>
             <a:tailEnd type="oval" w="sm" len="sm"/>
           </a:ln>
@@ -3614,10 +3198,10 @@
       </p:cxnSp>
       <p:sp>
         <p:nvSpPr>
-          <p:cNvPr id="56" name="57 CuadroTexto">
-            <a:extLst>
-              <a:ext uri="{FF2B5EF4-FFF2-40B4-BE49-F238E27FC236}">
-                <a16:creationId xmlns:a16="http://schemas.microsoft.com/office/drawing/2014/main" id="{DE0722DC-DBF5-B949-B248-9242659830A1}"/>
+          <p:cNvPr id="59" name="12 CuadroTexto">
+            <a:extLst>
+              <a:ext uri="{FF2B5EF4-FFF2-40B4-BE49-F238E27FC236}">
+                <a16:creationId xmlns:a16="http://schemas.microsoft.com/office/drawing/2014/main" id="{589ED6E2-B7FC-51FE-567A-7F1401D781C0}"/>
               </a:ext>
             </a:extLst>
           </p:cNvPr>
@@ -3626,8 +3210,8 @@
         </p:nvSpPr>
         <p:spPr>
           <a:xfrm>
-            <a:off x="9032491" y="3429000"/>
-            <a:ext cx="312906" cy="276999"/>
+            <a:off x="7395758" y="1673090"/>
+            <a:ext cx="380232" cy="276999"/>
           </a:xfrm>
           <a:prstGeom prst="rect">
             <a:avLst/>
@@ -3645,7 +3229,7 @@
                 <a:latin typeface="Arial" panose="020B0604020202020204" pitchFamily="34" charset="0"/>
                 <a:cs typeface="Arial" panose="020B0604020202020204" pitchFamily="34" charset="0"/>
               </a:rPr>
-              <a:t>I2</a:t>
+              <a:t>R2</a:t>
             </a:r>
             <a:endParaRPr lang="es-CO" sz="1200" dirty="0">
               <a:latin typeface="Arial" panose="020B0604020202020204" pitchFamily="34" charset="0"/>
@@ -3654,12 +3238,62 @@
           </a:p>
         </p:txBody>
       </p:sp>
+      <p:cxnSp>
+        <p:nvCxnSpPr>
+          <p:cNvPr id="60" name="10 Conector recto">
+            <a:extLst>
+              <a:ext uri="{FF2B5EF4-FFF2-40B4-BE49-F238E27FC236}">
+                <a16:creationId xmlns:a16="http://schemas.microsoft.com/office/drawing/2014/main" id="{89330361-6E9B-7158-6EBB-3F7E69F3FCF1}"/>
+              </a:ext>
+            </a:extLst>
+          </p:cNvPr>
+          <p:cNvCxnSpPr>
+            <a:cxnSpLocks/>
+          </p:cNvCxnSpPr>
+          <p:nvPr/>
+        </p:nvCxnSpPr>
+        <p:spPr>
+          <a:xfrm>
+            <a:off x="7285744" y="2235538"/>
+            <a:ext cx="589995" cy="0"/>
+          </a:xfrm>
+          <a:prstGeom prst="line">
+            <a:avLst/>
+          </a:prstGeom>
+          <a:solidFill>
+            <a:schemeClr val="bg1"/>
+          </a:solidFill>
+          <a:ln w="12700" cap="flat">
+            <a:solidFill>
+              <a:schemeClr val="tx1"/>
+            </a:solidFill>
+            <a:headEnd type="oval" w="sm" len="sm"/>
+            <a:tailEnd type="oval" w="sm" len="sm"/>
+          </a:ln>
+        </p:spPr>
+        <p:style>
+          <a:lnRef idx="2">
+            <a:schemeClr val="accent1">
+              <a:shade val="50000"/>
+            </a:schemeClr>
+          </a:lnRef>
+          <a:fillRef idx="1">
+            <a:schemeClr val="accent1"/>
+          </a:fillRef>
+          <a:effectRef idx="0">
+            <a:schemeClr val="accent1"/>
+          </a:effectRef>
+          <a:fontRef idx="minor">
+            <a:schemeClr val="lt1"/>
+          </a:fontRef>
+        </p:style>
+      </p:cxnSp>
       <p:sp>
         <p:nvSpPr>
-          <p:cNvPr id="57" name="CuadroTexto 56">
-            <a:extLst>
-              <a:ext uri="{FF2B5EF4-FFF2-40B4-BE49-F238E27FC236}">
-                <a16:creationId xmlns:a16="http://schemas.microsoft.com/office/drawing/2014/main" id="{FA5F0F53-2C0D-4A7C-8536-916FFE34213E}"/>
+          <p:cNvPr id="61" name="12 CuadroTexto">
+            <a:extLst>
+              <a:ext uri="{FF2B5EF4-FFF2-40B4-BE49-F238E27FC236}">
+                <a16:creationId xmlns:a16="http://schemas.microsoft.com/office/drawing/2014/main" id="{18A06620-C250-B8F1-DFCF-D1835AAD8C5B}"/>
               </a:ext>
             </a:extLst>
           </p:cNvPr>
@@ -3668,8 +3302,8 @@
         </p:nvSpPr>
         <p:spPr>
           <a:xfrm>
-            <a:off x="167306" y="5980955"/>
-            <a:ext cx="6093994" cy="369332"/>
+            <a:off x="7395757" y="1958539"/>
+            <a:ext cx="380232" cy="276999"/>
           </a:xfrm>
           <a:prstGeom prst="rect">
             <a:avLst/>
@@ -3677,15 +3311,206 @@
           <a:noFill/>
         </p:spPr>
         <p:txBody>
-          <a:bodyPr wrap="square">
+          <a:bodyPr wrap="none" rtlCol="0">
             <a:spAutoFit/>
           </a:bodyPr>
           <a:lstStyle/>
           <a:p>
             <a:r>
-              <a:rPr lang="en-US" dirty="0"/>
-              <a:t>A Playbook for Business Architecture Construction</a:t>
-            </a:r>
+              <a:rPr lang="es-MX" sz="1200" dirty="0">
+                <a:latin typeface="Arial" panose="020B0604020202020204" pitchFamily="34" charset="0"/>
+                <a:cs typeface="Arial" panose="020B0604020202020204" pitchFamily="34" charset="0"/>
+              </a:rPr>
+              <a:t>R3</a:t>
+            </a:r>
+            <a:endParaRPr lang="es-CO" sz="1200" dirty="0">
+              <a:latin typeface="Arial" panose="020B0604020202020204" pitchFamily="34" charset="0"/>
+              <a:cs typeface="Arial" panose="020B0604020202020204" pitchFamily="34" charset="0"/>
+            </a:endParaRPr>
+          </a:p>
+        </p:txBody>
+      </p:sp>
+      <p:cxnSp>
+        <p:nvCxnSpPr>
+          <p:cNvPr id="62" name="10 Conector recto">
+            <a:extLst>
+              <a:ext uri="{FF2B5EF4-FFF2-40B4-BE49-F238E27FC236}">
+                <a16:creationId xmlns:a16="http://schemas.microsoft.com/office/drawing/2014/main" id="{B3E39907-2C5B-9754-F9F0-5F44BFB8968F}"/>
+              </a:ext>
+            </a:extLst>
+          </p:cNvPr>
+          <p:cNvCxnSpPr>
+            <a:cxnSpLocks/>
+          </p:cNvCxnSpPr>
+          <p:nvPr/>
+        </p:nvCxnSpPr>
+        <p:spPr>
+          <a:xfrm>
+            <a:off x="7278962" y="2498767"/>
+            <a:ext cx="589995" cy="0"/>
+          </a:xfrm>
+          <a:prstGeom prst="line">
+            <a:avLst/>
+          </a:prstGeom>
+          <a:solidFill>
+            <a:schemeClr val="bg1"/>
+          </a:solidFill>
+          <a:ln w="12700" cap="flat">
+            <a:solidFill>
+              <a:schemeClr val="tx1"/>
+            </a:solidFill>
+            <a:headEnd type="oval" w="sm" len="sm"/>
+            <a:tailEnd type="oval" w="sm" len="sm"/>
+          </a:ln>
+        </p:spPr>
+        <p:style>
+          <a:lnRef idx="2">
+            <a:schemeClr val="accent1">
+              <a:shade val="50000"/>
+            </a:schemeClr>
+          </a:lnRef>
+          <a:fillRef idx="1">
+            <a:schemeClr val="accent1"/>
+          </a:fillRef>
+          <a:effectRef idx="0">
+            <a:schemeClr val="accent1"/>
+          </a:effectRef>
+          <a:fontRef idx="minor">
+            <a:schemeClr val="lt1"/>
+          </a:fontRef>
+        </p:style>
+      </p:cxnSp>
+      <p:sp>
+        <p:nvSpPr>
+          <p:cNvPr id="63" name="12 CuadroTexto">
+            <a:extLst>
+              <a:ext uri="{FF2B5EF4-FFF2-40B4-BE49-F238E27FC236}">
+                <a16:creationId xmlns:a16="http://schemas.microsoft.com/office/drawing/2014/main" id="{7CCB23A2-0EEE-ABC5-A428-C25B05DE080C}"/>
+              </a:ext>
+            </a:extLst>
+          </p:cNvPr>
+          <p:cNvSpPr txBox="1"/>
+          <p:nvPr/>
+        </p:nvSpPr>
+        <p:spPr>
+          <a:xfrm>
+            <a:off x="7388975" y="2221768"/>
+            <a:ext cx="380232" cy="276999"/>
+          </a:xfrm>
+          <a:prstGeom prst="rect">
+            <a:avLst/>
+          </a:prstGeom>
+          <a:noFill/>
+        </p:spPr>
+        <p:txBody>
+          <a:bodyPr wrap="none" rtlCol="0">
+            <a:spAutoFit/>
+          </a:bodyPr>
+          <a:lstStyle/>
+          <a:p>
+            <a:r>
+              <a:rPr lang="es-MX" sz="1200" dirty="0">
+                <a:latin typeface="Arial" panose="020B0604020202020204" pitchFamily="34" charset="0"/>
+                <a:cs typeface="Arial" panose="020B0604020202020204" pitchFamily="34" charset="0"/>
+              </a:rPr>
+              <a:t>D1</a:t>
+            </a:r>
+            <a:endParaRPr lang="es-CO" sz="1200" dirty="0">
+              <a:latin typeface="Arial" panose="020B0604020202020204" pitchFamily="34" charset="0"/>
+              <a:cs typeface="Arial" panose="020B0604020202020204" pitchFamily="34" charset="0"/>
+            </a:endParaRPr>
+          </a:p>
+        </p:txBody>
+      </p:sp>
+      <p:cxnSp>
+        <p:nvCxnSpPr>
+          <p:cNvPr id="1024" name="10 Conector recto">
+            <a:extLst>
+              <a:ext uri="{FF2B5EF4-FFF2-40B4-BE49-F238E27FC236}">
+                <a16:creationId xmlns:a16="http://schemas.microsoft.com/office/drawing/2014/main" id="{588D08F8-6561-B4F5-A124-0061A42AC029}"/>
+              </a:ext>
+            </a:extLst>
+          </p:cNvPr>
+          <p:cNvCxnSpPr>
+            <a:cxnSpLocks/>
+          </p:cNvCxnSpPr>
+          <p:nvPr/>
+        </p:nvCxnSpPr>
+        <p:spPr>
+          <a:xfrm>
+            <a:off x="7285744" y="3122318"/>
+            <a:ext cx="589995" cy="0"/>
+          </a:xfrm>
+          <a:prstGeom prst="line">
+            <a:avLst/>
+          </a:prstGeom>
+          <a:solidFill>
+            <a:schemeClr val="bg1"/>
+          </a:solidFill>
+          <a:ln w="12700" cap="flat">
+            <a:solidFill>
+              <a:schemeClr val="tx1"/>
+            </a:solidFill>
+            <a:headEnd type="oval" w="sm" len="sm"/>
+            <a:tailEnd type="oval" w="sm" len="sm"/>
+          </a:ln>
+        </p:spPr>
+        <p:style>
+          <a:lnRef idx="2">
+            <a:schemeClr val="accent1">
+              <a:shade val="50000"/>
+            </a:schemeClr>
+          </a:lnRef>
+          <a:fillRef idx="1">
+            <a:schemeClr val="accent1"/>
+          </a:fillRef>
+          <a:effectRef idx="0">
+            <a:schemeClr val="accent1"/>
+          </a:effectRef>
+          <a:fontRef idx="minor">
+            <a:schemeClr val="lt1"/>
+          </a:fontRef>
+        </p:style>
+      </p:cxnSp>
+      <p:sp>
+        <p:nvSpPr>
+          <p:cNvPr id="1025" name="12 CuadroTexto">
+            <a:extLst>
+              <a:ext uri="{FF2B5EF4-FFF2-40B4-BE49-F238E27FC236}">
+                <a16:creationId xmlns:a16="http://schemas.microsoft.com/office/drawing/2014/main" id="{27977BF3-9103-9F1D-112C-8B4E273C300A}"/>
+              </a:ext>
+            </a:extLst>
+          </p:cNvPr>
+          <p:cNvSpPr txBox="1"/>
+          <p:nvPr/>
+        </p:nvSpPr>
+        <p:spPr>
+          <a:xfrm>
+            <a:off x="7395757" y="2845319"/>
+            <a:ext cx="397866" cy="276999"/>
+          </a:xfrm>
+          <a:prstGeom prst="rect">
+            <a:avLst/>
+          </a:prstGeom>
+          <a:noFill/>
+        </p:spPr>
+        <p:txBody>
+          <a:bodyPr wrap="none" rtlCol="0">
+            <a:spAutoFit/>
+          </a:bodyPr>
+          <a:lstStyle/>
+          <a:p>
+            <a:r>
+              <a:rPr lang="es-MX" sz="1200" dirty="0">
+                <a:latin typeface="Arial" panose="020B0604020202020204" pitchFamily="34" charset="0"/>
+                <a:cs typeface="Arial" panose="020B0604020202020204" pitchFamily="34" charset="0"/>
+              </a:rPr>
+              <a:t>M2</a:t>
+            </a:r>
+            <a:endParaRPr lang="es-CO" sz="1200" dirty="0">
+              <a:latin typeface="Arial" panose="020B0604020202020204" pitchFamily="34" charset="0"/>
+              <a:cs typeface="Arial" panose="020B0604020202020204" pitchFamily="34" charset="0"/>
+            </a:endParaRPr>
           </a:p>
         </p:txBody>
       </p:sp>

--- a/HT-4/Optica BAC-07-Estructura del negocio.pptx
+++ b/HT-4/Optica BAC-07-Estructura del negocio.pptx
@@ -213,7 +213,7 @@
           <a:p>
             <a:fld id="{C84E95E0-43A6-4D53-BDBE-E8A6E9BC4F1E}" type="datetimeFigureOut">
               <a:rPr lang="es-ES" smtClean="0"/>
-              <a:t>06/09/2022</a:t>
+              <a:t>6/9/22</a:t>
             </a:fld>
             <a:endParaRPr lang="es-ES"/>
           </a:p>
@@ -371,7 +371,7 @@
           <a:p>
             <a:fld id="{A7ACAE50-97D0-47A2-B9C8-25667F34B8EA}" type="slidenum">
               <a:rPr lang="es-ES" smtClean="0"/>
-              <a:t>‹Nº›</a:t>
+              <a:t>‹#›</a:t>
             </a:fld>
             <a:endParaRPr lang="es-ES"/>
           </a:p>
@@ -1146,7 +1146,7 @@
             <a:fld id="{57F581D2-D2F7-4C56-ADAA-56285F38747F}" type="slidenum">
               <a:rPr lang="es-ES" smtClean="0"/>
               <a:pPr/>
-              <a:t>‹Nº›</a:t>
+              <a:t>‹#›</a:t>
             </a:fld>
             <a:endParaRPr lang="es-ES" dirty="0"/>
           </a:p>
@@ -1520,7 +1520,7 @@
           <a:p>
             <a:fld id="{57F581D2-D2F7-4C56-ADAA-56285F38747F}" type="slidenum">
               <a:rPr lang="es-ES" smtClean="0"/>
-              <a:t>‹Nº›</a:t>
+              <a:t>‹#›</a:t>
             </a:fld>
             <a:endParaRPr lang="es-ES"/>
           </a:p>
@@ -2334,7 +2334,7 @@
         </p:nvSpPr>
         <p:spPr>
           <a:xfrm>
-            <a:off x="7393177" y="2543387"/>
+            <a:off x="7388975" y="2630357"/>
             <a:ext cx="397865" cy="276999"/>
           </a:xfrm>
           <a:prstGeom prst="rect">
@@ -2376,7 +2376,7 @@
         </p:nvCxnSpPr>
         <p:spPr>
           <a:xfrm>
-            <a:off x="7285025" y="2808232"/>
+            <a:off x="7280823" y="2895202"/>
             <a:ext cx="588134" cy="2"/>
           </a:xfrm>
           <a:prstGeom prst="line">
@@ -2429,7 +2429,7 @@
         <p:spPr>
           <a:xfrm>
             <a:off x="5240024" y="3466240"/>
-            <a:ext cx="545100" cy="0"/>
+            <a:ext cx="697775" cy="8414"/>
           </a:xfrm>
           <a:prstGeom prst="line">
             <a:avLst/>
@@ -2476,7 +2476,7 @@
         </p:nvSpPr>
         <p:spPr>
           <a:xfrm>
-            <a:off x="5321787" y="3197655"/>
+            <a:off x="5402012" y="3197654"/>
             <a:ext cx="364202" cy="276999"/>
           </a:xfrm>
           <a:prstGeom prst="rect">
@@ -3036,7 +3036,7 @@
                 <a:latin typeface="Arial" panose="020B0604020202020204" pitchFamily="34" charset="0"/>
                 <a:cs typeface="Arial" panose="020B0604020202020204" pitchFamily="34" charset="0"/>
               </a:rPr>
-              <a:t>Lentes sin fórmula</a:t>
+              <a:t>Montura</a:t>
             </a:r>
           </a:p>
         </p:txBody>
@@ -3055,7 +3055,7 @@
         </p:nvSpPr>
         <p:spPr>
           <a:xfrm>
-            <a:off x="5785124" y="3050025"/>
+            <a:off x="5937799" y="3058439"/>
             <a:ext cx="1090200" cy="832429"/>
           </a:xfrm>
           <a:prstGeom prst="rect">
@@ -3099,7 +3099,7 @@
                 <a:latin typeface="Arial" panose="020B0604020202020204" pitchFamily="34" charset="0"/>
                 <a:cs typeface="Arial" panose="020B0604020202020204" pitchFamily="34" charset="0"/>
               </a:rPr>
-              <a:t>Lentes con fórmula aplicada</a:t>
+              <a:t>Montura con lentes</a:t>
             </a:r>
           </a:p>
         </p:txBody>
@@ -3118,7 +3118,7 @@
         </p:nvSpPr>
         <p:spPr>
           <a:xfrm>
-            <a:off x="5116194" y="1979914"/>
+            <a:off x="4040926" y="1658991"/>
             <a:ext cx="777777" cy="338554"/>
           </a:xfrm>
           <a:prstGeom prst="rect">
@@ -3162,7 +3162,7 @@
         </p:nvCxnSpPr>
         <p:spPr>
           <a:xfrm>
-            <a:off x="7285745" y="1950089"/>
+            <a:off x="7277284" y="2008401"/>
             <a:ext cx="589995" cy="0"/>
           </a:xfrm>
           <a:prstGeom prst="line">
@@ -3210,7 +3210,7 @@
         </p:nvSpPr>
         <p:spPr>
           <a:xfrm>
-            <a:off x="7395758" y="1673090"/>
+            <a:off x="7387297" y="1731402"/>
             <a:ext cx="380232" cy="276999"/>
           </a:xfrm>
           <a:prstGeom prst="rect">
@@ -3254,7 +3254,7 @@
         </p:nvCxnSpPr>
         <p:spPr>
           <a:xfrm>
-            <a:off x="7285744" y="2235538"/>
+            <a:off x="7286168" y="2297624"/>
             <a:ext cx="589995" cy="0"/>
           </a:xfrm>
           <a:prstGeom prst="line">
@@ -3302,7 +3302,7 @@
         </p:nvSpPr>
         <p:spPr>
           <a:xfrm>
-            <a:off x="7395757" y="1958539"/>
+            <a:off x="7396181" y="2020625"/>
             <a:ext cx="380232" cy="276999"/>
           </a:xfrm>
           <a:prstGeom prst="rect">
@@ -3346,7 +3346,7 @@
         </p:nvCxnSpPr>
         <p:spPr>
           <a:xfrm>
-            <a:off x="7278962" y="2498767"/>
+            <a:off x="7278962" y="2593753"/>
             <a:ext cx="589995" cy="0"/>
           </a:xfrm>
           <a:prstGeom prst="line">
@@ -3394,7 +3394,7 @@
         </p:nvSpPr>
         <p:spPr>
           <a:xfrm>
-            <a:off x="7388975" y="2221768"/>
+            <a:off x="7388989" y="2362682"/>
             <a:ext cx="380232" cy="276999"/>
           </a:xfrm>
           <a:prstGeom prst="rect">
@@ -3438,7 +3438,7 @@
         </p:nvCxnSpPr>
         <p:spPr>
           <a:xfrm>
-            <a:off x="7285744" y="3122318"/>
+            <a:off x="7283163" y="3210149"/>
             <a:ext cx="589995" cy="0"/>
           </a:xfrm>
           <a:prstGeom prst="line">
@@ -3486,7 +3486,7 @@
         </p:nvSpPr>
         <p:spPr>
           <a:xfrm>
-            <a:off x="7395757" y="2845319"/>
+            <a:off x="7381808" y="2968411"/>
             <a:ext cx="397866" cy="276999"/>
           </a:xfrm>
           <a:prstGeom prst="rect">

--- a/HT-4/Optica BAC-07-Estructura del negocio.pptx
+++ b/HT-4/Optica BAC-07-Estructura del negocio.pptx
@@ -2202,7 +2202,7 @@
         </p:nvCxnSpPr>
         <p:spPr>
           <a:xfrm>
-            <a:off x="7283164" y="1702218"/>
+            <a:off x="7287365" y="1784662"/>
             <a:ext cx="589995" cy="0"/>
           </a:xfrm>
           <a:prstGeom prst="line">
@@ -2292,7 +2292,7 @@
         </p:nvSpPr>
         <p:spPr>
           <a:xfrm>
-            <a:off x="7393177" y="1425219"/>
+            <a:off x="7397378" y="1507663"/>
             <a:ext cx="380232" cy="276999"/>
           </a:xfrm>
           <a:prstGeom prst="rect">
@@ -2334,7 +2334,7 @@
         </p:nvSpPr>
         <p:spPr>
           <a:xfrm>
-            <a:off x="7388975" y="2630357"/>
+            <a:off x="7397378" y="2969811"/>
             <a:ext cx="397865" cy="276999"/>
           </a:xfrm>
           <a:prstGeom prst="rect">
@@ -2376,7 +2376,7 @@
         </p:nvCxnSpPr>
         <p:spPr>
           <a:xfrm>
-            <a:off x="7280823" y="2895202"/>
+            <a:off x="7289226" y="3234656"/>
             <a:ext cx="588134" cy="2"/>
           </a:xfrm>
           <a:prstGeom prst="line">
@@ -3162,7 +3162,7 @@
         </p:nvCxnSpPr>
         <p:spPr>
           <a:xfrm>
-            <a:off x="7277284" y="2008401"/>
+            <a:off x="7276465" y="2111385"/>
             <a:ext cx="589995" cy="0"/>
           </a:xfrm>
           <a:prstGeom prst="line">
@@ -3210,7 +3210,7 @@
         </p:nvSpPr>
         <p:spPr>
           <a:xfrm>
-            <a:off x="7387297" y="1731402"/>
+            <a:off x="7386478" y="1834386"/>
             <a:ext cx="380232" cy="276999"/>
           </a:xfrm>
           <a:prstGeom prst="rect">
@@ -3254,7 +3254,7 @@
         </p:nvCxnSpPr>
         <p:spPr>
           <a:xfrm>
-            <a:off x="7286168" y="2297624"/>
+            <a:off x="7281370" y="2493628"/>
             <a:ext cx="589995" cy="0"/>
           </a:xfrm>
           <a:prstGeom prst="line">
@@ -3302,7 +3302,7 @@
         </p:nvSpPr>
         <p:spPr>
           <a:xfrm>
-            <a:off x="7396181" y="2020625"/>
+            <a:off x="7391383" y="2216629"/>
             <a:ext cx="380232" cy="276999"/>
           </a:xfrm>
           <a:prstGeom prst="rect">
@@ -3346,7 +3346,7 @@
         </p:nvCxnSpPr>
         <p:spPr>
           <a:xfrm>
-            <a:off x="7278962" y="2593753"/>
+            <a:off x="7278948" y="2842000"/>
             <a:ext cx="589995" cy="0"/>
           </a:xfrm>
           <a:prstGeom prst="line">
@@ -3394,7 +3394,7 @@
         </p:nvSpPr>
         <p:spPr>
           <a:xfrm>
-            <a:off x="7388989" y="2362682"/>
+            <a:off x="7388975" y="2610929"/>
             <a:ext cx="380232" cy="276999"/>
           </a:xfrm>
           <a:prstGeom prst="rect">
@@ -3414,98 +3414,6 @@
                 <a:cs typeface="Arial" panose="020B0604020202020204" pitchFamily="34" charset="0"/>
               </a:rPr>
               <a:t>D1</a:t>
-            </a:r>
-            <a:endParaRPr lang="es-CO" sz="1200" dirty="0">
-              <a:latin typeface="Arial" panose="020B0604020202020204" pitchFamily="34" charset="0"/>
-              <a:cs typeface="Arial" panose="020B0604020202020204" pitchFamily="34" charset="0"/>
-            </a:endParaRPr>
-          </a:p>
-        </p:txBody>
-      </p:sp>
-      <p:cxnSp>
-        <p:nvCxnSpPr>
-          <p:cNvPr id="1024" name="10 Conector recto">
-            <a:extLst>
-              <a:ext uri="{FF2B5EF4-FFF2-40B4-BE49-F238E27FC236}">
-                <a16:creationId xmlns:a16="http://schemas.microsoft.com/office/drawing/2014/main" id="{588D08F8-6561-B4F5-A124-0061A42AC029}"/>
-              </a:ext>
-            </a:extLst>
-          </p:cNvPr>
-          <p:cNvCxnSpPr>
-            <a:cxnSpLocks/>
-          </p:cNvCxnSpPr>
-          <p:nvPr/>
-        </p:nvCxnSpPr>
-        <p:spPr>
-          <a:xfrm>
-            <a:off x="7283163" y="3210149"/>
-            <a:ext cx="589995" cy="0"/>
-          </a:xfrm>
-          <a:prstGeom prst="line">
-            <a:avLst/>
-          </a:prstGeom>
-          <a:solidFill>
-            <a:schemeClr val="bg1"/>
-          </a:solidFill>
-          <a:ln w="12700" cap="flat">
-            <a:solidFill>
-              <a:schemeClr val="tx1"/>
-            </a:solidFill>
-            <a:headEnd type="oval" w="sm" len="sm"/>
-            <a:tailEnd type="oval" w="sm" len="sm"/>
-          </a:ln>
-        </p:spPr>
-        <p:style>
-          <a:lnRef idx="2">
-            <a:schemeClr val="accent1">
-              <a:shade val="50000"/>
-            </a:schemeClr>
-          </a:lnRef>
-          <a:fillRef idx="1">
-            <a:schemeClr val="accent1"/>
-          </a:fillRef>
-          <a:effectRef idx="0">
-            <a:schemeClr val="accent1"/>
-          </a:effectRef>
-          <a:fontRef idx="minor">
-            <a:schemeClr val="lt1"/>
-          </a:fontRef>
-        </p:style>
-      </p:cxnSp>
-      <p:sp>
-        <p:nvSpPr>
-          <p:cNvPr id="1025" name="12 CuadroTexto">
-            <a:extLst>
-              <a:ext uri="{FF2B5EF4-FFF2-40B4-BE49-F238E27FC236}">
-                <a16:creationId xmlns:a16="http://schemas.microsoft.com/office/drawing/2014/main" id="{27977BF3-9103-9F1D-112C-8B4E273C300A}"/>
-              </a:ext>
-            </a:extLst>
-          </p:cNvPr>
-          <p:cNvSpPr txBox="1"/>
-          <p:nvPr/>
-        </p:nvSpPr>
-        <p:spPr>
-          <a:xfrm>
-            <a:off x="7381808" y="2968411"/>
-            <a:ext cx="397866" cy="276999"/>
-          </a:xfrm>
-          <a:prstGeom prst="rect">
-            <a:avLst/>
-          </a:prstGeom>
-          <a:noFill/>
-        </p:spPr>
-        <p:txBody>
-          <a:bodyPr wrap="none" rtlCol="0">
-            <a:spAutoFit/>
-          </a:bodyPr>
-          <a:lstStyle/>
-          <a:p>
-            <a:r>
-              <a:rPr lang="es-MX" sz="1200" dirty="0">
-                <a:latin typeface="Arial" panose="020B0604020202020204" pitchFamily="34" charset="0"/>
-                <a:cs typeface="Arial" panose="020B0604020202020204" pitchFamily="34" charset="0"/>
-              </a:rPr>
-              <a:t>M2</a:t>
             </a:r>
             <a:endParaRPr lang="es-CO" sz="1200" dirty="0">
               <a:latin typeface="Arial" panose="020B0604020202020204" pitchFamily="34" charset="0"/>
